--- a/Arbeitsdokumente/1 Meilenstein.pptx
+++ b/Arbeitsdokumente/1 Meilenstein.pptx
@@ -12434,11 +12434,11 @@
   <p:clrMapOvr>
     <a:masterClrMapping/>
   </p:clrMapOvr>
-  <mc:AlternateContent xmlns:mc="http://schemas.openxmlformats.org/markup-compatibility/2006">
-    <mc:Choice xmlns:p14="http://schemas.microsoft.com/office/powerpoint/2010/main" Requires="p14">
+  <mc:AlternateContent xmlns:mc="http://schemas.openxmlformats.org/markup-compatibility/2006" xmlns:p14="http://schemas.microsoft.com/office/powerpoint/2010/main">
+    <mc:Choice Requires="p14">
       <p:transition spd="slow" p14:dur="2000" advTm="1696"/>
     </mc:Choice>
-    <mc:Fallback>
+    <mc:Fallback xmlns="">
       <p:transition spd="slow" advTm="1696"/>
     </mc:Fallback>
   </mc:AlternateContent>
